--- a/architecture diagram.pptx
+++ b/architecture diagram.pptx
@@ -9140,6 +9140,41 @@
           </a:p>
         </p:txBody>
       </p:sp>
+      <p:sp>
+        <p:nvSpPr>
+          <p:cNvPr id="25" name="TextBox 24">
+            <a:extLst>
+              <a:ext uri="{FF2B5EF4-FFF2-40B4-BE49-F238E27FC236}">
+                <a16:creationId xmlns:a16="http://schemas.microsoft.com/office/drawing/2014/main" id="{C858FF94-D7EA-E7F4-9107-CD278D5AFC6F}"/>
+              </a:ext>
+            </a:extLst>
+          </p:cNvPr>
+          <p:cNvSpPr txBox="1"/>
+          <p:nvPr/>
+        </p:nvSpPr>
+        <p:spPr>
+          <a:xfrm>
+            <a:off x="3200091" y="5554804"/>
+            <a:ext cx="2558231" cy="276999"/>
+          </a:xfrm>
+          <a:prstGeom prst="rect">
+            <a:avLst/>
+          </a:prstGeom>
+          <a:noFill/>
+        </p:spPr>
+        <p:txBody>
+          <a:bodyPr wrap="square">
+            <a:spAutoFit/>
+          </a:bodyPr>
+          <a:lstStyle/>
+          <a:p>
+            <a:r>
+              <a:rPr lang="en-SG" sz="1200" dirty="0"/>
+              <a:t>https://d3kg18khkilitk.cloudfront.net/</a:t>
+            </a:r>
+          </a:p>
+        </p:txBody>
+      </p:sp>
     </p:spTree>
     <p:extLst>
       <p:ext uri="{BB962C8B-B14F-4D97-AF65-F5344CB8AC3E}">
@@ -9185,7 +9220,7 @@
         <p:spPr>
           <a:xfrm>
             <a:off x="215900" y="128538"/>
-            <a:ext cx="11906250" cy="7048083"/>
+            <a:ext cx="11906250" cy="7294305"/>
           </a:xfrm>
           <a:prstGeom prst="rect">
             <a:avLst/>
@@ -9373,7 +9408,7 @@
                   <a:srgbClr val="00B050"/>
                 </a:solidFill>
               </a:rPr>
-              <a:t>When AWS detects a change in the repository, </a:t>
+              <a:t>. When AWS detects a change in the repository, </a:t>
             </a:r>
             <a:r>
               <a:rPr lang="en-GB" sz="1600" dirty="0" err="1">
@@ -9405,7 +9440,7 @@
                   <a:srgbClr val="00B050"/>
                 </a:solidFill>
               </a:rPr>
-              <a:t> will deploy the pipeline – automatically into the S3 bucket.</a:t>
+              <a:t> will deploy the pipeline – automatically into the S3 bucket</a:t>
             </a:r>
           </a:p>
           <a:p>
@@ -9922,6 +9957,20 @@
                 </a:solidFill>
               </a:rPr>
               <a:t> will keep on invalidating the cache as long as new code is pushed to the origin – may increase costs)</a:t>
+            </a:r>
+          </a:p>
+          <a:p>
+            <a:pPr lvl="1">
+              <a:buFont typeface="Wingdings" panose="05000000000000000000" pitchFamily="2" charset="2"/>
+              <a:buChar char="ü"/>
+            </a:pPr>
+            <a:r>
+              <a:rPr lang="en-GB" sz="1600" dirty="0">
+                <a:solidFill>
+                  <a:srgbClr val="00B050"/>
+                </a:solidFill>
+              </a:rPr>
+              <a:t>Localhost is used for the purposes of demonstration as in-premise hosting is very expensive. Source code will be shown and uploaded too.</a:t>
             </a:r>
           </a:p>
         </p:txBody>

--- a/architecture diagram.pptx
+++ b/architecture diagram.pptx
@@ -5655,7 +5655,7 @@
                 <a:latin typeface="Arial" panose="020B0604020202020204" pitchFamily="34" charset="0"/>
                 <a:cs typeface="Arial" panose="020B0604020202020204" pitchFamily="34" charset="0"/>
               </a:rPr>
-              <a:t>HTTP request</a:t>
+              <a:t>HTTPS request</a:t>
             </a:r>
           </a:p>
         </p:txBody>
